--- a/prezentacie/c05w.pptx
+++ b/prezentacie/c05w.pptx
@@ -249,7 +249,7 @@
           <a:p>
             <a:fld id="{10052495-8BC8-4CFB-94B1-B0429F101A0D}" type="datetimeFigureOut">
               <a:rPr lang="sk-SK" smtClean="0"/>
-              <a:t>26. 9. 2025</a:t>
+              <a:t>1. 10. 2025</a:t>
             </a:fld>
             <a:endParaRPr lang="sk-SK"/>
           </a:p>
@@ -419,7 +419,7 @@
           <a:p>
             <a:fld id="{10052495-8BC8-4CFB-94B1-B0429F101A0D}" type="datetimeFigureOut">
               <a:rPr lang="sk-SK" smtClean="0"/>
-              <a:t>26. 9. 2025</a:t>
+              <a:t>1. 10. 2025</a:t>
             </a:fld>
             <a:endParaRPr lang="sk-SK"/>
           </a:p>
@@ -599,7 +599,7 @@
           <a:p>
             <a:fld id="{10052495-8BC8-4CFB-94B1-B0429F101A0D}" type="datetimeFigureOut">
               <a:rPr lang="sk-SK" smtClean="0"/>
-              <a:t>26. 9. 2025</a:t>
+              <a:t>1. 10. 2025</a:t>
             </a:fld>
             <a:endParaRPr lang="sk-SK"/>
           </a:p>
@@ -769,7 +769,7 @@
           <a:p>
             <a:fld id="{10052495-8BC8-4CFB-94B1-B0429F101A0D}" type="datetimeFigureOut">
               <a:rPr lang="sk-SK" smtClean="0"/>
-              <a:t>26. 9. 2025</a:t>
+              <a:t>1. 10. 2025</a:t>
             </a:fld>
             <a:endParaRPr lang="sk-SK"/>
           </a:p>
@@ -1015,7 +1015,7 @@
           <a:p>
             <a:fld id="{10052495-8BC8-4CFB-94B1-B0429F101A0D}" type="datetimeFigureOut">
               <a:rPr lang="sk-SK" smtClean="0"/>
-              <a:t>26. 9. 2025</a:t>
+              <a:t>1. 10. 2025</a:t>
             </a:fld>
             <a:endParaRPr lang="sk-SK"/>
           </a:p>
@@ -1247,7 +1247,7 @@
           <a:p>
             <a:fld id="{10052495-8BC8-4CFB-94B1-B0429F101A0D}" type="datetimeFigureOut">
               <a:rPr lang="sk-SK" smtClean="0"/>
-              <a:t>26. 9. 2025</a:t>
+              <a:t>1. 10. 2025</a:t>
             </a:fld>
             <a:endParaRPr lang="sk-SK"/>
           </a:p>
@@ -1614,7 +1614,7 @@
           <a:p>
             <a:fld id="{10052495-8BC8-4CFB-94B1-B0429F101A0D}" type="datetimeFigureOut">
               <a:rPr lang="sk-SK" smtClean="0"/>
-              <a:t>26. 9. 2025</a:t>
+              <a:t>1. 10. 2025</a:t>
             </a:fld>
             <a:endParaRPr lang="sk-SK"/>
           </a:p>
@@ -1732,7 +1732,7 @@
           <a:p>
             <a:fld id="{10052495-8BC8-4CFB-94B1-B0429F101A0D}" type="datetimeFigureOut">
               <a:rPr lang="sk-SK" smtClean="0"/>
-              <a:t>26. 9. 2025</a:t>
+              <a:t>1. 10. 2025</a:t>
             </a:fld>
             <a:endParaRPr lang="sk-SK"/>
           </a:p>
@@ -1827,7 +1827,7 @@
           <a:p>
             <a:fld id="{10052495-8BC8-4CFB-94B1-B0429F101A0D}" type="datetimeFigureOut">
               <a:rPr lang="sk-SK" smtClean="0"/>
-              <a:t>26. 9. 2025</a:t>
+              <a:t>1. 10. 2025</a:t>
             </a:fld>
             <a:endParaRPr lang="sk-SK"/>
           </a:p>
@@ -2104,7 +2104,7 @@
           <a:p>
             <a:fld id="{10052495-8BC8-4CFB-94B1-B0429F101A0D}" type="datetimeFigureOut">
               <a:rPr lang="sk-SK" smtClean="0"/>
-              <a:t>26. 9. 2025</a:t>
+              <a:t>1. 10. 2025</a:t>
             </a:fld>
             <a:endParaRPr lang="sk-SK"/>
           </a:p>
@@ -2361,7 +2361,7 @@
           <a:p>
             <a:fld id="{10052495-8BC8-4CFB-94B1-B0429F101A0D}" type="datetimeFigureOut">
               <a:rPr lang="sk-SK" smtClean="0"/>
-              <a:t>26. 9. 2025</a:t>
+              <a:t>1. 10. 2025</a:t>
             </a:fld>
             <a:endParaRPr lang="sk-SK"/>
           </a:p>
@@ -2574,7 +2574,7 @@
           <a:p>
             <a:fld id="{10052495-8BC8-4CFB-94B1-B0429F101A0D}" type="datetimeFigureOut">
               <a:rPr lang="sk-SK" smtClean="0"/>
-              <a:t>26. 9. 2025</a:t>
+              <a:t>1. 10. 2025</a:t>
             </a:fld>
             <a:endParaRPr lang="sk-SK"/>
           </a:p>
@@ -3996,7 +3996,7 @@
             </a:r>
             <a:r>
               <a:rPr lang="en-US" sz="4000" dirty="0"/>
-              <a:t>4</a:t>
+              <a:t>5</a:t>
             </a:r>
             <a:endParaRPr lang="sk-SK" sz="4000" dirty="0"/>
           </a:p>
